--- a/Document/ProjectPPT/KwonChangHyun_마지막발표.pptx
+++ b/Document/ProjectPPT/KwonChangHyun_마지막발표.pptx
@@ -138,7 +138,7 @@
   </p:defaultTextStyle>
   <p:extLst>
     <p:ext uri="{EFAFB233-063F-42B5-8137-9DF3F51BA10A}">
-      <p15:sldGuideLst xmlns:p15="http://schemas.microsoft.com/office/powerpoint/2012/main">
+      <p15:sldGuideLst xmlns:p15="http://schemas.microsoft.com/office/powerpoint/2012/main" xmlns="">
         <p15:guide id="1" orient="horz" pos="2160">
           <p15:clr>
             <a:srgbClr val="A4A3A4"/>
@@ -15521,7 +15521,7 @@
           <p:nvPr>
             <p:extLst>
               <p:ext uri="{D42A27DB-BD31-4B8C-83A1-F6EECF244321}">
-                <p14:modId xmlns:p14="http://schemas.microsoft.com/office/powerpoint/2010/main" val="3349755737"/>
+                <p14:modId xmlns:p14="http://schemas.microsoft.com/office/powerpoint/2010/main" val="3425394224"/>
               </p:ext>
             </p:extLst>
           </p:nvPr>
@@ -15618,6 +15618,14 @@
                       <a:r>
                         <a:rPr lang="ko-KR" altLang="en-US" sz="1600" dirty="0" err="1" smtClean="0"/>
                         <a:t>맵</a:t>
+                      </a:r>
+                      <a:r>
+                        <a:rPr lang="en-US" altLang="ko-KR" sz="1600" dirty="0" smtClean="0"/>
+                        <a:t>, </a:t>
+                      </a:r>
+                      <a:r>
+                        <a:rPr lang="ko-KR" altLang="en-US" sz="1600" smtClean="0"/>
+                        <a:t>메뉴</a:t>
                       </a:r>
                       <a:endParaRPr lang="ko-KR" altLang="en-US" sz="1600" dirty="0"/>
                     </a:p>
